--- a/Spectral Density Analysis.pptx
+++ b/Spectral Density Analysis.pptx
@@ -113,6 +113,11 @@
       </a:defRPr>
     </a:lvl9pPr>
   </p:defaultTextStyle>
+  <p:extLst>
+    <p:ext uri="{EFAFB233-063F-42B5-8137-9DF3F51BA10A}">
+      <p15:sldGuideLst xmlns:p15="http://schemas.microsoft.com/office/powerpoint/2012/main"/>
+    </p:ext>
+  </p:extLst>
 </p:presentation>
 </file>
 
@@ -356,9 +361,9 @@
           <a:p>
             <a:fld id="{87B96DC0-F725-4B61-943D-5B7F671527CE}" type="datetimeFigureOut">
               <a:rPr lang="en-US" smtClean="0"/>
-              <a:t>5/17/2020</a:t>
+              <a:t>5/18/2020</a:t>
             </a:fld>
-            <a:endParaRPr lang="en-US"/>
+            <a:endParaRPr lang="en-US" dirty="0"/>
           </a:p>
         </p:txBody>
       </p:sp>
@@ -377,7 +382,7 @@
           <a:bodyPr/>
           <a:lstStyle/>
           <a:p>
-            <a:endParaRPr lang="en-US"/>
+            <a:endParaRPr lang="en-US" dirty="0"/>
           </a:p>
         </p:txBody>
       </p:sp>
@@ -487,7 +492,7 @@
               <a:rPr lang="en-US" smtClean="0"/>
               <a:t>‹#›</a:t>
             </a:fld>
-            <a:endParaRPr lang="en-US"/>
+            <a:endParaRPr lang="en-US" dirty="0"/>
           </a:p>
         </p:txBody>
       </p:sp>
@@ -694,9 +699,9 @@
           <a:p>
             <a:fld id="{87B96DC0-F725-4B61-943D-5B7F671527CE}" type="datetimeFigureOut">
               <a:rPr lang="en-US" smtClean="0"/>
-              <a:t>5/17/2020</a:t>
+              <a:t>5/18/2020</a:t>
             </a:fld>
-            <a:endParaRPr lang="en-US"/>
+            <a:endParaRPr lang="en-US" dirty="0"/>
           </a:p>
         </p:txBody>
       </p:sp>
@@ -715,7 +720,7 @@
           <a:bodyPr/>
           <a:lstStyle/>
           <a:p>
-            <a:endParaRPr lang="en-US"/>
+            <a:endParaRPr lang="en-US" dirty="0"/>
           </a:p>
         </p:txBody>
       </p:sp>
@@ -825,7 +830,7 @@
               <a:rPr lang="en-US" smtClean="0"/>
               <a:t>‹#›</a:t>
             </a:fld>
-            <a:endParaRPr lang="en-US"/>
+            <a:endParaRPr lang="en-US" dirty="0"/>
           </a:p>
         </p:txBody>
       </p:sp>
@@ -1095,9 +1100,9 @@
           <a:p>
             <a:fld id="{87B96DC0-F725-4B61-943D-5B7F671527CE}" type="datetimeFigureOut">
               <a:rPr lang="en-US" smtClean="0"/>
-              <a:t>5/17/2020</a:t>
+              <a:t>5/18/2020</a:t>
             </a:fld>
-            <a:endParaRPr lang="en-US"/>
+            <a:endParaRPr lang="en-US" dirty="0"/>
           </a:p>
         </p:txBody>
       </p:sp>
@@ -1116,7 +1121,7 @@
           <a:bodyPr/>
           <a:lstStyle/>
           <a:p>
-            <a:endParaRPr lang="en-US"/>
+            <a:endParaRPr lang="en-US" dirty="0"/>
           </a:p>
         </p:txBody>
       </p:sp>
@@ -1226,7 +1231,7 @@
               <a:rPr lang="en-US" smtClean="0"/>
               <a:t>‹#›</a:t>
             </a:fld>
-            <a:endParaRPr lang="en-US"/>
+            <a:endParaRPr lang="en-US" dirty="0"/>
           </a:p>
         </p:txBody>
       </p:sp>
@@ -1431,9 +1436,9 @@
           <a:p>
             <a:fld id="{87B96DC0-F725-4B61-943D-5B7F671527CE}" type="datetimeFigureOut">
               <a:rPr lang="en-US" smtClean="0"/>
-              <a:t>5/17/2020</a:t>
+              <a:t>5/18/2020</a:t>
             </a:fld>
-            <a:endParaRPr lang="en-US"/>
+            <a:endParaRPr lang="en-US" dirty="0"/>
           </a:p>
         </p:txBody>
       </p:sp>
@@ -1452,7 +1457,7 @@
           <a:bodyPr/>
           <a:lstStyle/>
           <a:p>
-            <a:endParaRPr lang="en-US"/>
+            <a:endParaRPr lang="en-US" dirty="0"/>
           </a:p>
         </p:txBody>
       </p:sp>
@@ -1562,7 +1567,7 @@
               <a:rPr lang="en-US" smtClean="0"/>
               <a:t>‹#›</a:t>
             </a:fld>
-            <a:endParaRPr lang="en-US"/>
+            <a:endParaRPr lang="en-US" dirty="0"/>
           </a:p>
         </p:txBody>
       </p:sp>
@@ -1751,9 +1756,9 @@
           <a:p>
             <a:fld id="{87B96DC0-F725-4B61-943D-5B7F671527CE}" type="datetimeFigureOut">
               <a:rPr lang="en-US" smtClean="0"/>
-              <a:t>5/17/2020</a:t>
+              <a:t>5/18/2020</a:t>
             </a:fld>
-            <a:endParaRPr lang="en-US"/>
+            <a:endParaRPr lang="en-US" dirty="0"/>
           </a:p>
         </p:txBody>
       </p:sp>
@@ -1772,7 +1777,7 @@
           <a:bodyPr/>
           <a:lstStyle/>
           <a:p>
-            <a:endParaRPr lang="en-US"/>
+            <a:endParaRPr lang="en-US" dirty="0"/>
           </a:p>
         </p:txBody>
       </p:sp>
@@ -1882,7 +1887,7 @@
               <a:rPr lang="en-US" smtClean="0"/>
               <a:t>‹#›</a:t>
             </a:fld>
-            <a:endParaRPr lang="en-US"/>
+            <a:endParaRPr lang="en-US" dirty="0"/>
           </a:p>
         </p:txBody>
       </p:sp>
@@ -2147,9 +2152,9 @@
           <a:p>
             <a:fld id="{87B96DC0-F725-4B61-943D-5B7F671527CE}" type="datetimeFigureOut">
               <a:rPr lang="en-US" smtClean="0"/>
-              <a:t>5/17/2020</a:t>
+              <a:t>5/18/2020</a:t>
             </a:fld>
-            <a:endParaRPr lang="en-US"/>
+            <a:endParaRPr lang="en-US" dirty="0"/>
           </a:p>
         </p:txBody>
       </p:sp>
@@ -2168,7 +2173,7 @@
           <a:bodyPr/>
           <a:lstStyle/>
           <a:p>
-            <a:endParaRPr lang="en-US"/>
+            <a:endParaRPr lang="en-US" dirty="0"/>
           </a:p>
         </p:txBody>
       </p:sp>
@@ -2278,7 +2283,7 @@
               <a:rPr lang="en-US" smtClean="0"/>
               <a:t>‹#›</a:t>
             </a:fld>
-            <a:endParaRPr lang="en-US"/>
+            <a:endParaRPr lang="en-US" dirty="0"/>
           </a:p>
         </p:txBody>
       </p:sp>
@@ -2404,9 +2409,9 @@
           <a:p>
             <a:fld id="{87B96DC0-F725-4B61-943D-5B7F671527CE}" type="datetimeFigureOut">
               <a:rPr lang="en-US" smtClean="0"/>
-              <a:t>5/17/2020</a:t>
+              <a:t>5/18/2020</a:t>
             </a:fld>
-            <a:endParaRPr lang="en-US"/>
+            <a:endParaRPr lang="en-US" dirty="0"/>
           </a:p>
         </p:txBody>
       </p:sp>
@@ -2425,7 +2430,7 @@
           <a:bodyPr/>
           <a:lstStyle/>
           <a:p>
-            <a:endParaRPr lang="en-US"/>
+            <a:endParaRPr lang="en-US" dirty="0"/>
           </a:p>
         </p:txBody>
       </p:sp>
@@ -2530,7 +2535,7 @@
               <a:rPr lang="en-US" smtClean="0"/>
               <a:t>‹#›</a:t>
             </a:fld>
-            <a:endParaRPr lang="en-US"/>
+            <a:endParaRPr lang="en-US" dirty="0"/>
           </a:p>
         </p:txBody>
       </p:sp>
@@ -2666,9 +2671,9 @@
           <a:p>
             <a:fld id="{87B96DC0-F725-4B61-943D-5B7F671527CE}" type="datetimeFigureOut">
               <a:rPr lang="en-US" smtClean="0"/>
-              <a:t>5/17/2020</a:t>
+              <a:t>5/18/2020</a:t>
             </a:fld>
-            <a:endParaRPr lang="en-US"/>
+            <a:endParaRPr lang="en-US" dirty="0"/>
           </a:p>
         </p:txBody>
       </p:sp>
@@ -2687,7 +2692,7 @@
           <a:bodyPr/>
           <a:lstStyle/>
           <a:p>
-            <a:endParaRPr lang="en-US"/>
+            <a:endParaRPr lang="en-US" dirty="0"/>
           </a:p>
         </p:txBody>
       </p:sp>
@@ -2792,7 +2797,7 @@
               <a:rPr lang="en-US" smtClean="0"/>
               <a:t>‹#›</a:t>
             </a:fld>
-            <a:endParaRPr lang="en-US"/>
+            <a:endParaRPr lang="en-US" dirty="0"/>
           </a:p>
         </p:txBody>
       </p:sp>
@@ -2928,9 +2933,9 @@
           <a:p>
             <a:fld id="{87B96DC0-F725-4B61-943D-5B7F671527CE}" type="datetimeFigureOut">
               <a:rPr lang="en-US" smtClean="0"/>
-              <a:t>5/17/2020</a:t>
+              <a:t>5/18/2020</a:t>
             </a:fld>
-            <a:endParaRPr lang="en-US"/>
+            <a:endParaRPr lang="en-US" dirty="0"/>
           </a:p>
         </p:txBody>
       </p:sp>
@@ -2949,7 +2954,7 @@
           <a:bodyPr/>
           <a:lstStyle/>
           <a:p>
-            <a:endParaRPr lang="en-US"/>
+            <a:endParaRPr lang="en-US" dirty="0"/>
           </a:p>
         </p:txBody>
       </p:sp>
@@ -3054,7 +3059,7 @@
               <a:rPr lang="en-US" smtClean="0"/>
               <a:t>‹#›</a:t>
             </a:fld>
-            <a:endParaRPr lang="en-US"/>
+            <a:endParaRPr lang="en-US" dirty="0"/>
           </a:p>
         </p:txBody>
       </p:sp>
@@ -3257,9 +3262,9 @@
           <a:p>
             <a:fld id="{87B96DC0-F725-4B61-943D-5B7F671527CE}" type="datetimeFigureOut">
               <a:rPr lang="en-US" smtClean="0"/>
-              <a:t>5/17/2020</a:t>
+              <a:t>5/18/2020</a:t>
             </a:fld>
-            <a:endParaRPr lang="en-US"/>
+            <a:endParaRPr lang="en-US" dirty="0"/>
           </a:p>
         </p:txBody>
       </p:sp>
@@ -3278,7 +3283,7 @@
           <a:bodyPr/>
           <a:lstStyle/>
           <a:p>
-            <a:endParaRPr lang="en-US"/>
+            <a:endParaRPr lang="en-US" dirty="0"/>
           </a:p>
         </p:txBody>
       </p:sp>
@@ -3388,7 +3393,7 @@
               <a:rPr lang="en-US" smtClean="0"/>
               <a:t>‹#›</a:t>
             </a:fld>
-            <a:endParaRPr lang="en-US"/>
+            <a:endParaRPr lang="en-US" dirty="0"/>
           </a:p>
         </p:txBody>
       </p:sp>
@@ -3580,9 +3585,9 @@
           <a:p>
             <a:fld id="{87B96DC0-F725-4B61-943D-5B7F671527CE}" type="datetimeFigureOut">
               <a:rPr lang="en-US" smtClean="0"/>
-              <a:t>5/17/2020</a:t>
+              <a:t>5/18/2020</a:t>
             </a:fld>
-            <a:endParaRPr lang="en-US"/>
+            <a:endParaRPr lang="en-US" dirty="0"/>
           </a:p>
         </p:txBody>
       </p:sp>
@@ -3601,7 +3606,7 @@
           <a:bodyPr/>
           <a:lstStyle/>
           <a:p>
-            <a:endParaRPr lang="en-US"/>
+            <a:endParaRPr lang="en-US" dirty="0"/>
           </a:p>
         </p:txBody>
       </p:sp>
@@ -3711,7 +3716,7 @@
               <a:rPr lang="en-US" smtClean="0"/>
               <a:t>‹#›</a:t>
             </a:fld>
-            <a:endParaRPr lang="en-US"/>
+            <a:endParaRPr lang="en-US" dirty="0"/>
           </a:p>
         </p:txBody>
       </p:sp>
@@ -4037,9 +4042,9 @@
           <a:p>
             <a:fld id="{87B96DC0-F725-4B61-943D-5B7F671527CE}" type="datetimeFigureOut">
               <a:rPr lang="en-US" smtClean="0"/>
-              <a:t>5/17/2020</a:t>
+              <a:t>5/18/2020</a:t>
             </a:fld>
-            <a:endParaRPr lang="en-US"/>
+            <a:endParaRPr lang="en-US" dirty="0"/>
           </a:p>
         </p:txBody>
       </p:sp>
@@ -4058,7 +4063,7 @@
           <a:bodyPr/>
           <a:lstStyle/>
           <a:p>
-            <a:endParaRPr lang="en-US"/>
+            <a:endParaRPr lang="en-US" dirty="0"/>
           </a:p>
         </p:txBody>
       </p:sp>
@@ -4168,7 +4173,7 @@
               <a:rPr lang="en-US" smtClean="0"/>
               <a:t>‹#›</a:t>
             </a:fld>
-            <a:endParaRPr lang="en-US"/>
+            <a:endParaRPr lang="en-US" dirty="0"/>
           </a:p>
         </p:txBody>
       </p:sp>
@@ -4242,9 +4247,9 @@
           <a:p>
             <a:fld id="{87B96DC0-F725-4B61-943D-5B7F671527CE}" type="datetimeFigureOut">
               <a:rPr lang="en-US" smtClean="0"/>
-              <a:t>5/17/2020</a:t>
+              <a:t>5/18/2020</a:t>
             </a:fld>
-            <a:endParaRPr lang="en-US"/>
+            <a:endParaRPr lang="en-US" dirty="0"/>
           </a:p>
         </p:txBody>
       </p:sp>
@@ -4263,7 +4268,7 @@
           <a:bodyPr/>
           <a:lstStyle/>
           <a:p>
-            <a:endParaRPr lang="en-US"/>
+            <a:endParaRPr lang="en-US" dirty="0"/>
           </a:p>
         </p:txBody>
       </p:sp>
@@ -4368,7 +4373,7 @@
               <a:rPr lang="en-US" smtClean="0"/>
               <a:t>‹#›</a:t>
             </a:fld>
-            <a:endParaRPr lang="en-US"/>
+            <a:endParaRPr lang="en-US" dirty="0"/>
           </a:p>
         </p:txBody>
       </p:sp>
@@ -4419,9 +4424,9 @@
           <a:p>
             <a:fld id="{87B96DC0-F725-4B61-943D-5B7F671527CE}" type="datetimeFigureOut">
               <a:rPr lang="en-US" smtClean="0"/>
-              <a:t>5/17/2020</a:t>
+              <a:t>5/18/2020</a:t>
             </a:fld>
-            <a:endParaRPr lang="en-US"/>
+            <a:endParaRPr lang="en-US" dirty="0"/>
           </a:p>
         </p:txBody>
       </p:sp>
@@ -4440,7 +4445,7 @@
           <a:bodyPr/>
           <a:lstStyle/>
           <a:p>
-            <a:endParaRPr lang="en-US"/>
+            <a:endParaRPr lang="en-US" dirty="0"/>
           </a:p>
         </p:txBody>
       </p:sp>
@@ -4545,7 +4550,7 @@
               <a:rPr lang="en-US" smtClean="0"/>
               <a:t>‹#›</a:t>
             </a:fld>
-            <a:endParaRPr lang="en-US"/>
+            <a:endParaRPr lang="en-US" dirty="0"/>
           </a:p>
         </p:txBody>
       </p:sp>
@@ -4752,9 +4757,9 @@
           <a:p>
             <a:fld id="{87B96DC0-F725-4B61-943D-5B7F671527CE}" type="datetimeFigureOut">
               <a:rPr lang="en-US" smtClean="0"/>
-              <a:t>5/17/2020</a:t>
+              <a:t>5/18/2020</a:t>
             </a:fld>
-            <a:endParaRPr lang="en-US"/>
+            <a:endParaRPr lang="en-US" dirty="0"/>
           </a:p>
         </p:txBody>
       </p:sp>
@@ -4773,7 +4778,7 @@
           <a:bodyPr/>
           <a:lstStyle/>
           <a:p>
-            <a:endParaRPr lang="en-US"/>
+            <a:endParaRPr lang="en-US" dirty="0"/>
           </a:p>
         </p:txBody>
       </p:sp>
@@ -4878,7 +4883,7 @@
               <a:rPr lang="en-US" smtClean="0"/>
               <a:t>‹#›</a:t>
             </a:fld>
-            <a:endParaRPr lang="en-US"/>
+            <a:endParaRPr lang="en-US" dirty="0"/>
           </a:p>
         </p:txBody>
       </p:sp>
@@ -5006,10 +5011,9 @@
           </a:lstStyle>
           <a:p>
             <a:r>
-              <a:rPr lang="en-US"/>
+              <a:rPr lang="en-US" dirty="0"/>
               <a:t>Click icon to add picture</a:t>
             </a:r>
-            <a:endParaRPr lang="en-US" dirty="0"/>
           </a:p>
         </p:txBody>
       </p:sp>
@@ -5097,9 +5101,9 @@
           <a:p>
             <a:fld id="{87B96DC0-F725-4B61-943D-5B7F671527CE}" type="datetimeFigureOut">
               <a:rPr lang="en-US" smtClean="0"/>
-              <a:t>5/17/2020</a:t>
+              <a:t>5/18/2020</a:t>
             </a:fld>
-            <a:endParaRPr lang="en-US"/>
+            <a:endParaRPr lang="en-US" dirty="0"/>
           </a:p>
         </p:txBody>
       </p:sp>
@@ -5118,7 +5122,7 @@
           <a:bodyPr/>
           <a:lstStyle/>
           <a:p>
-            <a:endParaRPr lang="en-US"/>
+            <a:endParaRPr lang="en-US" dirty="0"/>
           </a:p>
         </p:txBody>
       </p:sp>
@@ -5228,7 +5232,7 @@
               <a:rPr lang="en-US" smtClean="0"/>
               <a:t>‹#›</a:t>
             </a:fld>
-            <a:endParaRPr lang="en-US"/>
+            <a:endParaRPr lang="en-US" dirty="0"/>
           </a:p>
         </p:txBody>
       </p:sp>
@@ -7214,9 +7218,9 @@
           <a:p>
             <a:fld id="{87B96DC0-F725-4B61-943D-5B7F671527CE}" type="datetimeFigureOut">
               <a:rPr lang="en-US" smtClean="0"/>
-              <a:t>5/17/2020</a:t>
+              <a:t>5/18/2020</a:t>
             </a:fld>
-            <a:endParaRPr lang="en-US"/>
+            <a:endParaRPr lang="en-US" dirty="0"/>
           </a:p>
         </p:txBody>
       </p:sp>
@@ -7253,7 +7257,7 @@
             </a:lvl1pPr>
           </a:lstStyle>
           <a:p>
-            <a:endParaRPr lang="en-US"/>
+            <a:endParaRPr lang="en-US" dirty="0"/>
           </a:p>
         </p:txBody>
       </p:sp>
@@ -7292,7 +7296,7 @@
               <a:rPr lang="en-US" smtClean="0"/>
               <a:t>‹#›</a:t>
             </a:fld>
-            <a:endParaRPr lang="en-US"/>
+            <a:endParaRPr lang="en-US" dirty="0"/>
           </a:p>
         </p:txBody>
       </p:sp>
@@ -7747,14 +7751,21 @@
             <p:ph type="ctrTitle"/>
           </p:nvPr>
         </p:nvSpPr>
-        <p:spPr/>
-        <p:txBody>
-          <a:bodyPr/>
+        <p:spPr>
+          <a:xfrm>
+            <a:off x="1881052" y="3106781"/>
+            <a:ext cx="10145485" cy="2262781"/>
+          </a:xfrm>
+        </p:spPr>
+        <p:txBody>
+          <a:bodyPr>
+            <a:normAutofit fontScale="90000"/>
+          </a:bodyPr>
           <a:lstStyle/>
           <a:p>
             <a:r>
               <a:rPr lang="en-US" b="1" dirty="0"/>
-              <a:t>Spectral Density Analysis</a:t>
+              <a:t>Spectral Density Analysis using FFT and Cosine-Tapered Window in the Frequency Domain</a:t>
             </a:r>
           </a:p>
         </p:txBody>
@@ -7775,16 +7786,22 @@
             <p:ph type="subTitle" idx="1"/>
           </p:nvPr>
         </p:nvSpPr>
-        <p:spPr/>
+        <p:spPr>
+          <a:xfrm>
+            <a:off x="2945675" y="5369562"/>
+            <a:ext cx="8915399" cy="1126283"/>
+          </a:xfrm>
+        </p:spPr>
         <p:txBody>
           <a:bodyPr>
             <a:normAutofit/>
           </a:bodyPr>
           <a:lstStyle/>
           <a:p>
+            <a:pPr algn="r"/>
             <a:r>
               <a:rPr lang="en-US" sz="2400" b="1" dirty="0"/>
-              <a:t>Cosine-Tapered Window in the Frequency Domain</a:t>
+              <a:t>May 2020</a:t>
             </a:r>
           </a:p>
         </p:txBody>
@@ -8130,12 +8147,12 @@
           <a:lstStyle/>
           <a:p>
             <a:pPr algn="ctr"/>
-            <a:endParaRPr lang="en-US"/>
-          </a:p>
-        </p:txBody>
-      </p:sp>
-      <mc:AlternateContent xmlns:mc="http://schemas.openxmlformats.org/markup-compatibility/2006">
-        <mc:Choice xmlns:p14="http://schemas.microsoft.com/office/powerpoint/2010/main" Requires="p14">
+            <a:endParaRPr lang="en-US" dirty="0"/>
+          </a:p>
+        </p:txBody>
+      </p:sp>
+      <mc:AlternateContent xmlns:mc="http://schemas.openxmlformats.org/markup-compatibility/2006" xmlns:p14="http://schemas.microsoft.com/office/powerpoint/2010/main">
+        <mc:Choice Requires="p14">
           <p:contentPart p14:bwMode="auto" r:id="rId4">
             <p14:nvContentPartPr>
               <p14:cNvPr id="8" name="Ink 7">
@@ -8154,7 +8171,7 @@
             </p14:xfrm>
           </p:contentPart>
         </mc:Choice>
-        <mc:Fallback>
+        <mc:Fallback xmlns="">
           <p:pic>
             <p:nvPicPr>
               <p:cNvPr id="8" name="Ink 7">
@@ -8235,7 +8252,7 @@
           <a:lstStyle/>
           <a:p>
             <a:pPr algn="ctr"/>
-            <a:endParaRPr lang="en-US"/>
+            <a:endParaRPr lang="en-US" dirty="0"/>
           </a:p>
         </p:txBody>
       </p:sp>
@@ -9153,7 +9170,7 @@
           <a:lstStyle/>
           <a:p>
             <a:pPr algn="ctr"/>
-            <a:endParaRPr lang="en-US"/>
+            <a:endParaRPr lang="en-US" dirty="0"/>
           </a:p>
         </p:txBody>
       </p:sp>
@@ -9410,12 +9427,8 @@
           <a:lstStyle/>
           <a:p>
             <a:r>
-              <a:rPr lang="en-US" b="1" dirty="0" err="1"/>
-              <a:t>OpPSD</a:t>
-            </a:r>
-            <a:r>
               <a:rPr lang="en-US" b="1" dirty="0"/>
-              <a:t> function</a:t>
+              <a:t>OpPSD function</a:t>
             </a:r>
           </a:p>
         </p:txBody>
@@ -9453,15 +9466,7 @@
             </a:pPr>
             <a:r>
               <a:rPr lang="en-US" sz="2600" b="1" dirty="0"/>
-              <a:t>        [PSD, CLV] = </a:t>
-            </a:r>
-            <a:r>
-              <a:rPr lang="en-US" sz="2600" b="1" dirty="0" err="1"/>
-              <a:t>OpPSD</a:t>
-            </a:r>
-            <a:r>
-              <a:rPr lang="en-US" sz="2600" b="1" dirty="0"/>
-              <a:t>(t,series,window,p1,p2,    p3,  CL, PPLOT)</a:t>
+              <a:t>        [PSD, CLV] = OpPSD(t,series,window,p1,p2,    p3,  CL, PPLOT)</a:t>
             </a:r>
           </a:p>
           <a:p>
@@ -9549,15 +9554,7 @@
             </a:pPr>
             <a:r>
               <a:rPr lang="en-US" dirty="0"/>
-              <a:t>                        2 </a:t>
-            </a:r>
-            <a:r>
-              <a:rPr lang="en-US" dirty="0" err="1"/>
-              <a:t>hanning</a:t>
-            </a:r>
-            <a:r>
-              <a:rPr lang="en-US" dirty="0"/>
-              <a:t> window (less smoothing of the edges)</a:t>
+              <a:t>                        2 hanning window (less smoothing of the edges)</a:t>
             </a:r>
           </a:p>
           <a:p>
@@ -9570,15 +9567,7 @@
             </a:r>
             <a:r>
               <a:rPr lang="en-US" b="1" dirty="0"/>
-              <a:t>IF p1 &gt;  0 ==&gt; average in frequency domain (</a:t>
-            </a:r>
-            <a:r>
-              <a:rPr lang="en-US" b="1" dirty="0" err="1"/>
-              <a:t>minB,maxB,ratio</a:t>
-            </a:r>
-            <a:r>
-              <a:rPr lang="en-US" b="1" dirty="0"/>
-              <a:t>);</a:t>
+              <a:t>IF p1 &gt;  0 ==&gt; average in frequency domain (minB,maxB,ratio);</a:t>
             </a:r>
           </a:p>
           <a:p>
@@ -9587,32 +9576,16 @@
             </a:pPr>
             <a:r>
               <a:rPr lang="en-US" dirty="0"/>
-              <a:t>                           </a:t>
-            </a:r>
-            <a:r>
-              <a:rPr lang="en-US" dirty="0" err="1"/>
-              <a:t>minB</a:t>
-            </a:r>
+              <a:t>                           minB = p1:  minimum band</a:t>
+            </a:r>
+          </a:p>
+          <a:p>
+            <a:pPr marL="457200" lvl="1" indent="0">
+              <a:buNone/>
+            </a:pPr>
             <a:r>
               <a:rPr lang="en-US" dirty="0"/>
-              <a:t> = p1:  minimum band</a:t>
-            </a:r>
-          </a:p>
-          <a:p>
-            <a:pPr marL="457200" lvl="1" indent="0">
-              <a:buNone/>
-            </a:pPr>
-            <a:r>
-              <a:rPr lang="en-US" dirty="0"/>
-              <a:t>                           </a:t>
-            </a:r>
-            <a:r>
-              <a:rPr lang="en-US" dirty="0" err="1"/>
-              <a:t>maxB</a:t>
-            </a:r>
-            <a:r>
-              <a:rPr lang="en-US" dirty="0"/>
-              <a:t> = p2:  maximum band</a:t>
+              <a:t>                           maxB = p2:  maximum band</a:t>
             </a:r>
           </a:p>
           <a:p>
@@ -9630,40 +9603,16 @@
             </a:pPr>
             <a:r>
               <a:rPr lang="en-US" dirty="0"/>
-              <a:t>		        w = length(</a:t>
-            </a:r>
-            <a:r>
-              <a:rPr lang="en-US" dirty="0" err="1"/>
-              <a:t>serie</a:t>
-            </a:r>
+              <a:t>		        w = length(serie); TAvg  = 1;</a:t>
+            </a:r>
+          </a:p>
+          <a:p>
+            <a:pPr marL="457200" lvl="1" indent="0">
+              <a:buNone/>
+            </a:pPr>
             <a:r>
               <a:rPr lang="en-US" dirty="0"/>
-              <a:t>); </a:t>
-            </a:r>
-            <a:r>
-              <a:rPr lang="en-US" dirty="0" err="1"/>
-              <a:t>TAvg</a:t>
-            </a:r>
-            <a:r>
-              <a:rPr lang="en-US" dirty="0"/>
-              <a:t>  = 1;</a:t>
-            </a:r>
-          </a:p>
-          <a:p>
-            <a:pPr marL="457200" lvl="1" indent="0">
-              <a:buNone/>
-            </a:pPr>
-            <a:r>
-              <a:rPr lang="en-US" dirty="0"/>
-              <a:t>  - CL:                 </a:t>
-            </a:r>
-            <a:r>
-              <a:rPr lang="en-US" dirty="0" err="1"/>
-              <a:t>confidency</a:t>
-            </a:r>
-            <a:r>
-              <a:rPr lang="en-US" dirty="0"/>
-              <a:t> level option (CL=1 means conf. level stored)</a:t>
+              <a:t>  - CL:                 confidency level option (CL=1 means conf. level stored)</a:t>
             </a:r>
           </a:p>
           <a:p>
@@ -9832,15 +9781,7 @@
             </a:pPr>
             <a:r>
               <a:rPr lang="en-US" sz="2200" dirty="0"/>
-              <a:t>    var0 = std(</a:t>
-            </a:r>
-            <a:r>
-              <a:rPr lang="en-US" sz="2200" dirty="0" err="1"/>
-              <a:t>dserie</a:t>
-            </a:r>
-            <a:r>
-              <a:rPr lang="en-US" sz="2200" dirty="0"/>
-              <a:t>)^2;</a:t>
+              <a:t>    var0 = std(dserie)^2;</a:t>
             </a:r>
           </a:p>
           <a:p>
@@ -9888,20 +9829,8 @@
               <a:t>    </a:t>
             </a:r>
             <a:r>
-              <a:rPr lang="en-US" sz="2200" b="1" dirty="0" err="1"/>
-              <a:t>dserie</a:t>
-            </a:r>
-            <a:r>
               <a:rPr lang="en-US" sz="2200" b="1" dirty="0"/>
-              <a:t> = h.*</a:t>
-            </a:r>
-            <a:r>
-              <a:rPr lang="en-US" sz="2200" b="1" dirty="0" err="1"/>
-              <a:t>dserie</a:t>
-            </a:r>
-            <a:r>
-              <a:rPr lang="en-US" sz="2200" b="1" dirty="0"/>
-              <a:t>;</a:t>
+              <a:t>dserie = h.*dserie;</a:t>
             </a:r>
           </a:p>
           <a:p>
@@ -9910,15 +9839,7 @@
             </a:pPr>
             <a:r>
               <a:rPr lang="en-US" sz="2200" dirty="0"/>
-              <a:t>    var1 = std(</a:t>
-            </a:r>
-            <a:r>
-              <a:rPr lang="en-US" sz="2200" dirty="0" err="1"/>
-              <a:t>dserie</a:t>
-            </a:r>
-            <a:r>
-              <a:rPr lang="en-US" sz="2200" dirty="0"/>
-              <a:t>)^2; % The variance after the smoothing is reduced</a:t>
+              <a:t>    var1 = std(dserie)^2; % The variance after the smoothing is reduced</a:t>
             </a:r>
           </a:p>
           <a:p>
@@ -9954,7 +9875,7 @@
             </a:r>
             <a:r>
               <a:rPr lang="en-US" sz="2900" b="1" dirty="0"/>
-              <a:t>FFT and the PSD taking into account the “smoothing factor”</a:t>
+              <a:t>FFT and the PSD considering the “smoothing factor”</a:t>
             </a:r>
           </a:p>
           <a:p>
@@ -9963,23 +9884,7 @@
             </a:pPr>
             <a:r>
               <a:rPr lang="en-US" sz="2000" b="1" dirty="0"/>
-              <a:t>    X = </a:t>
-            </a:r>
-            <a:r>
-              <a:rPr lang="en-US" sz="2000" b="1" dirty="0" err="1"/>
-              <a:t>fft</a:t>
-            </a:r>
-            <a:r>
-              <a:rPr lang="en-US" sz="2000" b="1" dirty="0"/>
-              <a:t>(</a:t>
-            </a:r>
-            <a:r>
-              <a:rPr lang="en-US" sz="2000" b="1" dirty="0" err="1"/>
-              <a:t>dserie</a:t>
-            </a:r>
-            <a:r>
-              <a:rPr lang="en-US" sz="2000" b="1" dirty="0"/>
-              <a:t>); </a:t>
+              <a:t>    X = fft(dserie); </a:t>
             </a:r>
             <a:r>
               <a:rPr lang="en-US" sz="2000" dirty="0"/>
@@ -10097,23 +10002,7 @@
             </a:r>
             <a:r>
               <a:rPr lang="en-US" dirty="0"/>
-              <a:t>using overlapped windows between </a:t>
-            </a:r>
-            <a:r>
-              <a:rPr lang="en-US" dirty="0" err="1"/>
-              <a:t>minB</a:t>
-            </a:r>
-            <a:r>
-              <a:rPr lang="en-US" dirty="0"/>
-              <a:t> and </a:t>
-            </a:r>
-            <a:r>
-              <a:rPr lang="en-US" dirty="0" err="1"/>
-              <a:t>maxB</a:t>
-            </a:r>
-            <a:r>
-              <a:rPr lang="en-US" dirty="0"/>
-              <a:t> defined by the “ratio”</a:t>
+              <a:t>using overlapped windows between minB and maxB defined by the “ratio”</a:t>
             </a:r>
           </a:p>
           <a:p>
@@ -10121,28 +10010,8 @@
               <a:buNone/>
             </a:pPr>
             <a:r>
-              <a:rPr lang="en-US" b="1" dirty="0" err="1"/>
-              <a:t>PSD_smooth</a:t>
-            </a:r>
-            <a:r>
               <a:rPr lang="en-US" b="1" dirty="0"/>
-              <a:t> = </a:t>
-            </a:r>
-            <a:r>
-              <a:rPr lang="en-US" b="1" dirty="0" err="1"/>
-              <a:t>OpSmooth</a:t>
-            </a:r>
-            <a:r>
-              <a:rPr lang="en-US" b="1" dirty="0"/>
-              <a:t>(</a:t>
-            </a:r>
-            <a:r>
-              <a:rPr lang="en-US" b="1" dirty="0" err="1"/>
-              <a:t>PSD,minB,maxB,ratio</a:t>
-            </a:r>
-            <a:r>
-              <a:rPr lang="en-US" b="1" dirty="0"/>
-              <a:t>)</a:t>
+              <a:t>PSD_smooth = OpSmooth(PSD,minB,maxB,ratio)</a:t>
             </a:r>
           </a:p>
           <a:p>
@@ -10157,44 +10026,16 @@
             </a:pPr>
             <a:r>
               <a:rPr lang="en-US" dirty="0"/>
-              <a:t>Band = round(</a:t>
-            </a:r>
-            <a:r>
-              <a:rPr lang="en-US" dirty="0" err="1"/>
-              <a:t>minB</a:t>
-            </a:r>
+              <a:t>Band = round(minB*(abs(ratio)^(i-1)))</a:t>
+            </a:r>
+          </a:p>
+          <a:p>
+            <a:pPr marL="400050" lvl="1" indent="0">
+              <a:buNone/>
+            </a:pPr>
             <a:r>
               <a:rPr lang="en-US" dirty="0"/>
-              <a:t>*(abs(ratio)^(i-1)))</a:t>
-            </a:r>
-          </a:p>
-          <a:p>
-            <a:pPr marL="400050" lvl="1" indent="0">
-              <a:buNone/>
-            </a:pPr>
-            <a:r>
-              <a:rPr lang="en-US" dirty="0" err="1"/>
-              <a:t>PSD_smooth</a:t>
-            </a:r>
-            <a:r>
-              <a:rPr lang="en-US" dirty="0"/>
-              <a:t> = sum(</a:t>
-            </a:r>
-            <a:r>
-              <a:rPr lang="en-US" dirty="0" err="1"/>
-              <a:t>serie</a:t>
-            </a:r>
-            <a:r>
-              <a:rPr lang="en-US" dirty="0"/>
-              <a:t>(</a:t>
-            </a:r>
-            <a:r>
-              <a:rPr lang="en-US" dirty="0" err="1"/>
-              <a:t>k:kl</a:t>
-            </a:r>
-            <a:r>
-              <a:rPr lang="en-US" dirty="0"/>
-              <a:t>,:))./Band</a:t>
+              <a:t>PSD_smooth = sum(serie(k:kl,:))./Band</a:t>
             </a:r>
           </a:p>
           <a:p>
@@ -10232,23 +10073,7 @@
             </a:pPr>
             <a:r>
               <a:rPr lang="en-US" b="1" dirty="0"/>
-              <a:t>CLV = </a:t>
-            </a:r>
-            <a:r>
-              <a:rPr lang="en-US" b="1" dirty="0" err="1"/>
-              <a:t>OpCLevel</a:t>
-            </a:r>
-            <a:r>
-              <a:rPr lang="en-US" b="1" dirty="0"/>
-              <a:t>([</a:t>
-            </a:r>
-            <a:r>
-              <a:rPr lang="en-US" b="1" dirty="0" err="1"/>
-              <a:t>PSD_smooth</a:t>
-            </a:r>
-            <a:r>
-              <a:rPr lang="en-US" b="1" dirty="0"/>
-              <a:t> Frequency])</a:t>
+              <a:t>CLV = OpCLevel([PSD_smooth Frequency])</a:t>
             </a:r>
           </a:p>
         </p:txBody>
@@ -10400,7 +10225,7 @@
           <a:lstStyle/>
           <a:p>
             <a:pPr algn="ctr"/>
-            <a:endParaRPr lang="en-US"/>
+            <a:endParaRPr lang="en-US" dirty="0"/>
           </a:p>
         </p:txBody>
       </p:sp>
@@ -10718,23 +10543,7 @@
             </a:r>
             <a:r>
               <a:rPr lang="en-US" dirty="0"/>
-              <a:t>using overlapped windows between </a:t>
-            </a:r>
-            <a:r>
-              <a:rPr lang="en-US" dirty="0" err="1"/>
-              <a:t>minB</a:t>
-            </a:r>
-            <a:r>
-              <a:rPr lang="en-US" dirty="0"/>
-              <a:t> and </a:t>
-            </a:r>
-            <a:r>
-              <a:rPr lang="en-US" dirty="0" err="1"/>
-              <a:t>maxB</a:t>
-            </a:r>
-            <a:r>
-              <a:rPr lang="en-US" dirty="0"/>
-              <a:t> defined by the “ratio” </a:t>
+              <a:t>using overlapped windows between minB and maxB defined by the “ratio” </a:t>
             </a:r>
           </a:p>
           <a:p>
@@ -11096,7 +10905,7 @@
             <a:lstStyle/>
             <a:p>
               <a:pPr algn="ctr"/>
-              <a:endParaRPr lang="en-US"/>
+              <a:endParaRPr lang="en-US" dirty="0"/>
             </a:p>
           </p:txBody>
         </p:sp>
@@ -11150,7 +10959,7 @@
             <a:lstStyle/>
             <a:p>
               <a:pPr algn="ctr"/>
-              <a:endParaRPr lang="en-US"/>
+              <a:endParaRPr lang="en-US" dirty="0"/>
             </a:p>
           </p:txBody>
         </p:sp>

--- a/Spectral Density Analysis.pptx
+++ b/Spectral Density Analysis.pptx
@@ -361,7 +361,7 @@
           <a:p>
             <a:fld id="{87B96DC0-F725-4B61-943D-5B7F671527CE}" type="datetimeFigureOut">
               <a:rPr lang="en-US" smtClean="0"/>
-              <a:t>5/18/2020</a:t>
+              <a:t>5/19/2020</a:t>
             </a:fld>
             <a:endParaRPr lang="en-US" dirty="0"/>
           </a:p>
@@ -699,7 +699,7 @@
           <a:p>
             <a:fld id="{87B96DC0-F725-4B61-943D-5B7F671527CE}" type="datetimeFigureOut">
               <a:rPr lang="en-US" smtClean="0"/>
-              <a:t>5/18/2020</a:t>
+              <a:t>5/19/2020</a:t>
             </a:fld>
             <a:endParaRPr lang="en-US" dirty="0"/>
           </a:p>
@@ -1100,7 +1100,7 @@
           <a:p>
             <a:fld id="{87B96DC0-F725-4B61-943D-5B7F671527CE}" type="datetimeFigureOut">
               <a:rPr lang="en-US" smtClean="0"/>
-              <a:t>5/18/2020</a:t>
+              <a:t>5/19/2020</a:t>
             </a:fld>
             <a:endParaRPr lang="en-US" dirty="0"/>
           </a:p>
@@ -1436,7 +1436,7 @@
           <a:p>
             <a:fld id="{87B96DC0-F725-4B61-943D-5B7F671527CE}" type="datetimeFigureOut">
               <a:rPr lang="en-US" smtClean="0"/>
-              <a:t>5/18/2020</a:t>
+              <a:t>5/19/2020</a:t>
             </a:fld>
             <a:endParaRPr lang="en-US" dirty="0"/>
           </a:p>
@@ -1756,7 +1756,7 @@
           <a:p>
             <a:fld id="{87B96DC0-F725-4B61-943D-5B7F671527CE}" type="datetimeFigureOut">
               <a:rPr lang="en-US" smtClean="0"/>
-              <a:t>5/18/2020</a:t>
+              <a:t>5/19/2020</a:t>
             </a:fld>
             <a:endParaRPr lang="en-US" dirty="0"/>
           </a:p>
@@ -2152,7 +2152,7 @@
           <a:p>
             <a:fld id="{87B96DC0-F725-4B61-943D-5B7F671527CE}" type="datetimeFigureOut">
               <a:rPr lang="en-US" smtClean="0"/>
-              <a:t>5/18/2020</a:t>
+              <a:t>5/19/2020</a:t>
             </a:fld>
             <a:endParaRPr lang="en-US" dirty="0"/>
           </a:p>
@@ -2409,7 +2409,7 @@
           <a:p>
             <a:fld id="{87B96DC0-F725-4B61-943D-5B7F671527CE}" type="datetimeFigureOut">
               <a:rPr lang="en-US" smtClean="0"/>
-              <a:t>5/18/2020</a:t>
+              <a:t>5/19/2020</a:t>
             </a:fld>
             <a:endParaRPr lang="en-US" dirty="0"/>
           </a:p>
@@ -2671,7 +2671,7 @@
           <a:p>
             <a:fld id="{87B96DC0-F725-4B61-943D-5B7F671527CE}" type="datetimeFigureOut">
               <a:rPr lang="en-US" smtClean="0"/>
-              <a:t>5/18/2020</a:t>
+              <a:t>5/19/2020</a:t>
             </a:fld>
             <a:endParaRPr lang="en-US" dirty="0"/>
           </a:p>
@@ -2933,7 +2933,7 @@
           <a:p>
             <a:fld id="{87B96DC0-F725-4B61-943D-5B7F671527CE}" type="datetimeFigureOut">
               <a:rPr lang="en-US" smtClean="0"/>
-              <a:t>5/18/2020</a:t>
+              <a:t>5/19/2020</a:t>
             </a:fld>
             <a:endParaRPr lang="en-US" dirty="0"/>
           </a:p>
@@ -3262,7 +3262,7 @@
           <a:p>
             <a:fld id="{87B96DC0-F725-4B61-943D-5B7F671527CE}" type="datetimeFigureOut">
               <a:rPr lang="en-US" smtClean="0"/>
-              <a:t>5/18/2020</a:t>
+              <a:t>5/19/2020</a:t>
             </a:fld>
             <a:endParaRPr lang="en-US" dirty="0"/>
           </a:p>
@@ -3585,7 +3585,7 @@
           <a:p>
             <a:fld id="{87B96DC0-F725-4B61-943D-5B7F671527CE}" type="datetimeFigureOut">
               <a:rPr lang="en-US" smtClean="0"/>
-              <a:t>5/18/2020</a:t>
+              <a:t>5/19/2020</a:t>
             </a:fld>
             <a:endParaRPr lang="en-US" dirty="0"/>
           </a:p>
@@ -4042,7 +4042,7 @@
           <a:p>
             <a:fld id="{87B96DC0-F725-4B61-943D-5B7F671527CE}" type="datetimeFigureOut">
               <a:rPr lang="en-US" smtClean="0"/>
-              <a:t>5/18/2020</a:t>
+              <a:t>5/19/2020</a:t>
             </a:fld>
             <a:endParaRPr lang="en-US" dirty="0"/>
           </a:p>
@@ -4247,7 +4247,7 @@
           <a:p>
             <a:fld id="{87B96DC0-F725-4B61-943D-5B7F671527CE}" type="datetimeFigureOut">
               <a:rPr lang="en-US" smtClean="0"/>
-              <a:t>5/18/2020</a:t>
+              <a:t>5/19/2020</a:t>
             </a:fld>
             <a:endParaRPr lang="en-US" dirty="0"/>
           </a:p>
@@ -4424,7 +4424,7 @@
           <a:p>
             <a:fld id="{87B96DC0-F725-4B61-943D-5B7F671527CE}" type="datetimeFigureOut">
               <a:rPr lang="en-US" smtClean="0"/>
-              <a:t>5/18/2020</a:t>
+              <a:t>5/19/2020</a:t>
             </a:fld>
             <a:endParaRPr lang="en-US" dirty="0"/>
           </a:p>
@@ -4757,7 +4757,7 @@
           <a:p>
             <a:fld id="{87B96DC0-F725-4B61-943D-5B7F671527CE}" type="datetimeFigureOut">
               <a:rPr lang="en-US" smtClean="0"/>
-              <a:t>5/18/2020</a:t>
+              <a:t>5/19/2020</a:t>
             </a:fld>
             <a:endParaRPr lang="en-US" dirty="0"/>
           </a:p>
@@ -5101,7 +5101,7 @@
           <a:p>
             <a:fld id="{87B96DC0-F725-4B61-943D-5B7F671527CE}" type="datetimeFigureOut">
               <a:rPr lang="en-US" smtClean="0"/>
-              <a:t>5/18/2020</a:t>
+              <a:t>5/19/2020</a:t>
             </a:fld>
             <a:endParaRPr lang="en-US" dirty="0"/>
           </a:p>
@@ -7218,7 +7218,7 @@
           <a:p>
             <a:fld id="{87B96DC0-F725-4B61-943D-5B7F671527CE}" type="datetimeFigureOut">
               <a:rPr lang="en-US" smtClean="0"/>
-              <a:t>5/18/2020</a:t>
+              <a:t>5/19/2020</a:t>
             </a:fld>
             <a:endParaRPr lang="en-US" dirty="0"/>
           </a:p>
@@ -10760,7 +10760,15 @@
             </a:pPr>
             <a:r>
               <a:rPr lang="en-US" b="1" dirty="0"/>
-              <a:t>Use the -½ slope of the PSD to identify reliable peaks (it could be -3/5)</a:t>
+              <a:t>The PSD has -½ slope. Use it to </a:t>
+            </a:r>
+            <a:r>
+              <a:rPr lang="en-US" b="1"/>
+              <a:t>identify peaks </a:t>
+            </a:r>
+            <a:r>
+              <a:rPr lang="en-US" b="1" dirty="0"/>
+              <a:t>(it could be -5/3)</a:t>
             </a:r>
           </a:p>
         </p:txBody>
